--- a/presentations/Chap 0 - Guide de survie.pptx
+++ b/presentations/Chap 0 - Guide de survie.pptx
@@ -8,9 +8,9 @@
     <p:sldId id="256" r:id="rId2"/>
     <p:sldId id="257" r:id="rId3"/>
     <p:sldId id="259" r:id="rId4"/>
-    <p:sldId id="260" r:id="rId5"/>
-    <p:sldId id="261" r:id="rId6"/>
-    <p:sldId id="262" r:id="rId7"/>
+    <p:sldId id="261" r:id="rId5"/>
+    <p:sldId id="262" r:id="rId6"/>
+    <p:sldId id="260" r:id="rId7"/>
   </p:sldIdLst>
   <p:sldSz cx="12192000" cy="6858000"/>
   <p:notesSz cx="6858000" cy="9144000"/>
@@ -5234,6 +5234,826 @@
       </p:sp>
       <p:sp>
         <p:nvSpPr>
+          <p:cNvPr id="34" name="ZoneTexte 33">
+            <a:extLst>
+              <a:ext uri="{FF2B5EF4-FFF2-40B4-BE49-F238E27FC236}">
+                <a16:creationId xmlns:a16="http://schemas.microsoft.com/office/drawing/2014/main" id="{7AD387AA-C4F3-2C45-91C3-441CA333A8AF}"/>
+              </a:ext>
+            </a:extLst>
+          </p:cNvPr>
+          <p:cNvSpPr txBox="1"/>
+          <p:nvPr/>
+        </p:nvSpPr>
+        <p:spPr>
+          <a:xfrm>
+            <a:off x="463638" y="429492"/>
+            <a:ext cx="7069756" cy="646331"/>
+          </a:xfrm>
+          <a:prstGeom prst="rect">
+            <a:avLst/>
+          </a:prstGeom>
+          <a:noFill/>
+        </p:spPr>
+        <p:txBody>
+          <a:bodyPr wrap="none" rtlCol="0">
+            <a:spAutoFit/>
+          </a:bodyPr>
+          <a:lstStyle/>
+          <a:p>
+            <a:r>
+              <a:rPr lang="fr-FR" sz="3600" dirty="0"/>
+              <a:t>Des ressources, de la documentation</a:t>
+            </a:r>
+          </a:p>
+        </p:txBody>
+      </p:sp>
+      <p:sp>
+        <p:nvSpPr>
+          <p:cNvPr id="2" name="ZoneTexte 1">
+            <a:extLst>
+              <a:ext uri="{FF2B5EF4-FFF2-40B4-BE49-F238E27FC236}">
+                <a16:creationId xmlns:a16="http://schemas.microsoft.com/office/drawing/2014/main" id="{A0C5F577-1BE8-3541-B726-B38E1125D077}"/>
+              </a:ext>
+            </a:extLst>
+          </p:cNvPr>
+          <p:cNvSpPr txBox="1"/>
+          <p:nvPr/>
+        </p:nvSpPr>
+        <p:spPr>
+          <a:xfrm>
+            <a:off x="463638" y="1156845"/>
+            <a:ext cx="11075832" cy="3724096"/>
+          </a:xfrm>
+          <a:prstGeom prst="rect">
+            <a:avLst/>
+          </a:prstGeom>
+          <a:noFill/>
+        </p:spPr>
+        <p:txBody>
+          <a:bodyPr wrap="square" rtlCol="0">
+            <a:spAutoFit/>
+          </a:bodyPr>
+          <a:lstStyle/>
+          <a:p>
+            <a:r>
+              <a:rPr lang="fr-FR" sz="2000" b="1" dirty="0"/>
+              <a:t>Se documenter</a:t>
+            </a:r>
+          </a:p>
+          <a:p>
+            <a:endParaRPr lang="fr-FR" sz="900" b="1" dirty="0"/>
+          </a:p>
+          <a:p>
+            <a:r>
+              <a:rPr lang="fr-FR" b="1" dirty="0"/>
+              <a:t>Programmation</a:t>
+            </a:r>
+          </a:p>
+          <a:p>
+            <a:r>
+              <a:rPr lang="fr-FR" dirty="0"/>
+              <a:t>WEB (HTML, CSS, JS) : </a:t>
+            </a:r>
+            <a:r>
+              <a:rPr lang="fr-FR" dirty="0">
+                <a:hlinkClick r:id="rId2"/>
+              </a:rPr>
+              <a:t>https://developer.mozilla.org/fr/docs/Web</a:t>
+            </a:r>
+            <a:r>
+              <a:rPr lang="fr-FR" dirty="0"/>
+              <a:t> ++ (FR/EN)</a:t>
+            </a:r>
+          </a:p>
+          <a:p>
+            <a:r>
+              <a:rPr lang="fr-FR" dirty="0"/>
+              <a:t>Python : </a:t>
+            </a:r>
+            <a:r>
+              <a:rPr lang="fr-FR" dirty="0">
+                <a:hlinkClick r:id="rId3"/>
+              </a:rPr>
+              <a:t>https://www.python.org/doc/</a:t>
+            </a:r>
+            <a:r>
+              <a:rPr lang="fr-FR" dirty="0"/>
+              <a:t> + (EN)</a:t>
+            </a:r>
+          </a:p>
+          <a:p>
+            <a:r>
+              <a:rPr lang="fr-FR" dirty="0"/>
+              <a:t>Django : </a:t>
+            </a:r>
+            <a:r>
+              <a:rPr lang="fr-FR" dirty="0">
+                <a:hlinkClick r:id="rId4"/>
+              </a:rPr>
+              <a:t>https://docs.djangoproject.com/en/2.2/</a:t>
+            </a:r>
+            <a:r>
+              <a:rPr lang="fr-FR" dirty="0"/>
+              <a:t> ++++ (FR/EN)</a:t>
+            </a:r>
+          </a:p>
+          <a:p>
+            <a:r>
+              <a:rPr lang="fr-FR" dirty="0"/>
+              <a:t>Divers : </a:t>
+            </a:r>
+            <a:r>
+              <a:rPr lang="fr-FR" dirty="0">
+                <a:hlinkClick r:id="rId5"/>
+              </a:rPr>
+              <a:t>https://medium.com/</a:t>
+            </a:r>
+            <a:r>
+              <a:rPr lang="fr-FR" dirty="0"/>
+              <a:t> ++ (EN)</a:t>
+            </a:r>
+          </a:p>
+          <a:p>
+            <a:r>
+              <a:rPr lang="fr-FR" dirty="0"/>
+              <a:t>Git : </a:t>
+            </a:r>
+            <a:r>
+              <a:rPr lang="fr-FR" dirty="0">
+                <a:hlinkClick r:id="rId6"/>
+              </a:rPr>
+              <a:t>https://git-scm.com/docs</a:t>
+            </a:r>
+            <a:r>
+              <a:rPr lang="fr-FR" dirty="0"/>
+              <a:t> + (EN)</a:t>
+            </a:r>
+          </a:p>
+          <a:p>
+            <a:r>
+              <a:rPr lang="fr-FR" dirty="0" err="1"/>
+              <a:t>Two</a:t>
+            </a:r>
+            <a:r>
+              <a:rPr lang="fr-FR" dirty="0"/>
+              <a:t> Scoops of Django : rechercher « </a:t>
+            </a:r>
+            <a:r>
+              <a:rPr lang="fr-FR" dirty="0" err="1"/>
+              <a:t>Two</a:t>
+            </a:r>
+            <a:r>
+              <a:rPr lang="fr-FR" dirty="0"/>
+              <a:t> Scoops of Django 1.8 </a:t>
+            </a:r>
+            <a:r>
+              <a:rPr lang="fr-FR" dirty="0" err="1"/>
+              <a:t>pdf</a:t>
+            </a:r>
+            <a:r>
+              <a:rPr lang="fr-FR" dirty="0"/>
+              <a:t> » sur Google … ++ (EN)</a:t>
+            </a:r>
+          </a:p>
+          <a:p>
+            <a:endParaRPr lang="fr-FR" sz="900" dirty="0"/>
+          </a:p>
+          <a:p>
+            <a:r>
+              <a:rPr lang="fr-FR" b="1" dirty="0"/>
+              <a:t>Design</a:t>
+            </a:r>
+          </a:p>
+          <a:p>
+            <a:r>
+              <a:rPr lang="fr-FR" dirty="0" err="1"/>
+              <a:t>Refactoring</a:t>
+            </a:r>
+            <a:r>
+              <a:rPr lang="fr-FR" dirty="0"/>
+              <a:t> UI : </a:t>
+            </a:r>
+            <a:r>
+              <a:rPr lang="fr-FR" dirty="0">
+                <a:hlinkClick r:id="rId7"/>
+              </a:rPr>
+              <a:t>https://refactoringui.com/</a:t>
+            </a:r>
+            <a:r>
+              <a:rPr lang="fr-FR" dirty="0"/>
+              <a:t> ++++ (EN), me demander pour </a:t>
+            </a:r>
+            <a:r>
+              <a:rPr lang="fr-FR" dirty="0" err="1"/>
+              <a:t>pdf</a:t>
+            </a:r>
+            <a:r>
+              <a:rPr lang="fr-FR" dirty="0"/>
+              <a:t> </a:t>
+            </a:r>
+            <a:r>
+              <a:rPr lang="fr-FR" dirty="0">
+                <a:sym typeface="Wingdings" pitchFamily="2" charset="2"/>
+              </a:rPr>
+              <a:t></a:t>
+            </a:r>
+            <a:endParaRPr lang="fr-FR" dirty="0"/>
+          </a:p>
+          <a:p>
+            <a:r>
+              <a:rPr lang="fr-FR" dirty="0"/>
+              <a:t>Google </a:t>
+            </a:r>
+            <a:r>
+              <a:rPr lang="fr-FR" dirty="0" err="1"/>
+              <a:t>Material</a:t>
+            </a:r>
+            <a:r>
+              <a:rPr lang="fr-FR" dirty="0"/>
+              <a:t> Design (guidelines) : </a:t>
+            </a:r>
+            <a:r>
+              <a:rPr lang="fr-FR" dirty="0">
+                <a:hlinkClick r:id="rId8"/>
+              </a:rPr>
+              <a:t>https://material.io/</a:t>
+            </a:r>
+            <a:r>
+              <a:rPr lang="fr-FR" dirty="0"/>
+              <a:t> +++ (EN)</a:t>
+            </a:r>
+          </a:p>
+          <a:p>
+            <a:endParaRPr lang="fr-FR" dirty="0"/>
+          </a:p>
+        </p:txBody>
+      </p:sp>
+      <p:sp>
+        <p:nvSpPr>
+          <p:cNvPr id="35" name="ZoneTexte 34">
+            <a:extLst>
+              <a:ext uri="{FF2B5EF4-FFF2-40B4-BE49-F238E27FC236}">
+                <a16:creationId xmlns:a16="http://schemas.microsoft.com/office/drawing/2014/main" id="{417B9B97-124E-B04B-B7FD-E722CCB98C8D}"/>
+              </a:ext>
+            </a:extLst>
+          </p:cNvPr>
+          <p:cNvSpPr txBox="1"/>
+          <p:nvPr/>
+        </p:nvSpPr>
+        <p:spPr>
+          <a:xfrm>
+            <a:off x="463638" y="4961963"/>
+            <a:ext cx="11075832" cy="1646605"/>
+          </a:xfrm>
+          <a:prstGeom prst="rect">
+            <a:avLst/>
+          </a:prstGeom>
+          <a:noFill/>
+        </p:spPr>
+        <p:txBody>
+          <a:bodyPr wrap="square" rtlCol="0">
+            <a:spAutoFit/>
+          </a:bodyPr>
+          <a:lstStyle/>
+          <a:p>
+            <a:r>
+              <a:rPr lang="fr-FR" sz="2000" b="1" dirty="0"/>
+              <a:t>Répondre à un problème</a:t>
+            </a:r>
+          </a:p>
+          <a:p>
+            <a:endParaRPr lang="fr-FR" sz="900" b="1" dirty="0"/>
+          </a:p>
+          <a:p>
+            <a:r>
+              <a:rPr lang="fr-FR" dirty="0">
+                <a:hlinkClick r:id="rId9"/>
+              </a:rPr>
+              <a:t>https://github.com/borgia-app/Borgia-docs</a:t>
+            </a:r>
+            <a:endParaRPr lang="fr-FR" b="1" dirty="0"/>
+          </a:p>
+          <a:p>
+            <a:r>
+              <a:rPr lang="fr-FR" dirty="0"/>
+              <a:t>Google (recherche en anglais) : </a:t>
+            </a:r>
+            <a:r>
+              <a:rPr lang="fr-FR" dirty="0">
+                <a:hlinkClick r:id="rId10"/>
+              </a:rPr>
+              <a:t>https://www.google.fr/</a:t>
+            </a:r>
+            <a:r>
+              <a:rPr lang="fr-FR" dirty="0"/>
+              <a:t> +++ (EN)</a:t>
+            </a:r>
+          </a:p>
+          <a:p>
+            <a:r>
+              <a:rPr lang="fr-FR" dirty="0" err="1"/>
+              <a:t>Stack</a:t>
+            </a:r>
+            <a:r>
+              <a:rPr lang="fr-FR" dirty="0"/>
+              <a:t> </a:t>
+            </a:r>
+            <a:r>
+              <a:rPr lang="fr-FR" dirty="0" err="1"/>
+              <a:t>Overflow</a:t>
+            </a:r>
+            <a:r>
+              <a:rPr lang="fr-FR" dirty="0"/>
+              <a:t> : </a:t>
+            </a:r>
+            <a:r>
+              <a:rPr lang="fr-FR" dirty="0">
+                <a:hlinkClick r:id="rId11"/>
+              </a:rPr>
+              <a:t>https://stackoverflow.com/</a:t>
+            </a:r>
+            <a:r>
+              <a:rPr lang="fr-FR" dirty="0"/>
+              <a:t> +++ (EN)</a:t>
+            </a:r>
+          </a:p>
+          <a:p>
+            <a:r>
+              <a:rPr lang="fr-FR" b="1" dirty="0"/>
+              <a:t>Nous </a:t>
+            </a:r>
+            <a:r>
+              <a:rPr lang="fr-FR" b="1" dirty="0">
+                <a:sym typeface="Wingdings" pitchFamily="2" charset="2"/>
+              </a:rPr>
+              <a:t> +++++++++++</a:t>
+            </a:r>
+            <a:endParaRPr lang="fr-FR" b="1" dirty="0"/>
+          </a:p>
+        </p:txBody>
+      </p:sp>
+    </p:spTree>
+    <p:extLst>
+      <p:ext uri="{BB962C8B-B14F-4D97-AF65-F5344CB8AC3E}">
+        <p14:creationId xmlns:p14="http://schemas.microsoft.com/office/powerpoint/2010/main" val="679252005"/>
+      </p:ext>
+    </p:extLst>
+  </p:cSld>
+  <p:clrMapOvr>
+    <a:masterClrMapping/>
+  </p:clrMapOvr>
+</p:sld>
+</file>
+
+<file path=ppt/slides/slide5.xml><?xml version="1.0" encoding="utf-8"?>
+<p:sld xmlns:a="http://schemas.openxmlformats.org/drawingml/2006/main" xmlns:r="http://schemas.openxmlformats.org/officeDocument/2006/relationships" xmlns:p="http://schemas.openxmlformats.org/presentationml/2006/main">
+  <p:cSld>
+    <p:spTree>
+      <p:nvGrpSpPr>
+        <p:cNvPr id="1" name=""/>
+        <p:cNvGrpSpPr/>
+        <p:nvPr/>
+      </p:nvGrpSpPr>
+      <p:grpSpPr>
+        <a:xfrm>
+          <a:off x="0" y="0"/>
+          <a:ext cx="0" cy="0"/>
+          <a:chOff x="0" y="0"/>
+          <a:chExt cx="0" cy="0"/>
+        </a:xfrm>
+      </p:grpSpPr>
+      <p:sp>
+        <p:nvSpPr>
+          <p:cNvPr id="3" name="Sous-titre 2">
+            <a:extLst>
+              <a:ext uri="{FF2B5EF4-FFF2-40B4-BE49-F238E27FC236}">
+                <a16:creationId xmlns:a16="http://schemas.microsoft.com/office/drawing/2014/main" id="{883A3272-B62B-2845-88BD-E0EF53403DA9}"/>
+              </a:ext>
+            </a:extLst>
+          </p:cNvPr>
+          <p:cNvSpPr>
+            <a:spLocks noGrp="1"/>
+          </p:cNvSpPr>
+          <p:nvPr>
+            <p:ph type="subTitle" idx="1"/>
+          </p:nvPr>
+        </p:nvSpPr>
+        <p:spPr>
+          <a:xfrm>
+            <a:off x="6372113" y="129092"/>
+            <a:ext cx="5819887" cy="415663"/>
+          </a:xfrm>
+        </p:spPr>
+        <p:txBody>
+          <a:bodyPr>
+            <a:normAutofit lnSpcReduction="10000"/>
+          </a:bodyPr>
+          <a:lstStyle/>
+          <a:p>
+            <a:pPr algn="r"/>
+            <a:r>
+              <a:rPr lang="fr-FR" dirty="0">
+                <a:solidFill>
+                  <a:schemeClr val="tx1">
+                    <a:lumMod val="50000"/>
+                    <a:lumOff val="50000"/>
+                  </a:schemeClr>
+                </a:solidFill>
+              </a:rPr>
+              <a:t>Chapitre 0 – Guide de survie</a:t>
+            </a:r>
+          </a:p>
+        </p:txBody>
+      </p:sp>
+      <p:sp>
+        <p:nvSpPr>
+          <p:cNvPr id="2" name="ZoneTexte 1">
+            <a:extLst>
+              <a:ext uri="{FF2B5EF4-FFF2-40B4-BE49-F238E27FC236}">
+                <a16:creationId xmlns:a16="http://schemas.microsoft.com/office/drawing/2014/main" id="{A0C5F577-1BE8-3541-B726-B38E1125D077}"/>
+              </a:ext>
+            </a:extLst>
+          </p:cNvPr>
+          <p:cNvSpPr txBox="1"/>
+          <p:nvPr/>
+        </p:nvSpPr>
+        <p:spPr>
+          <a:xfrm>
+            <a:off x="463638" y="1217309"/>
+            <a:ext cx="11075832" cy="1061829"/>
+          </a:xfrm>
+          <a:prstGeom prst="rect">
+            <a:avLst/>
+          </a:prstGeom>
+          <a:noFill/>
+        </p:spPr>
+        <p:txBody>
+          <a:bodyPr wrap="square" rtlCol="0">
+            <a:spAutoFit/>
+          </a:bodyPr>
+          <a:lstStyle/>
+          <a:p>
+            <a:r>
+              <a:rPr lang="fr-FR" b="1" dirty="0"/>
+              <a:t>Programmation</a:t>
+            </a:r>
+          </a:p>
+          <a:p>
+            <a:endParaRPr lang="fr-FR" sz="900" b="1" dirty="0"/>
+          </a:p>
+          <a:p>
+            <a:r>
+              <a:rPr lang="fr-FR" dirty="0"/>
+              <a:t>Visual Studio Code :</a:t>
+            </a:r>
+            <a:r>
+              <a:rPr lang="fr-FR" dirty="0">
+                <a:hlinkClick r:id="rId2"/>
+              </a:rPr>
+              <a:t>https://code.visualstudio.com/</a:t>
+            </a:r>
+            <a:r>
+              <a:rPr lang="fr-FR" dirty="0"/>
+              <a:t> +++++</a:t>
+            </a:r>
+          </a:p>
+          <a:p>
+            <a:r>
+              <a:rPr lang="fr-FR" dirty="0" err="1"/>
+              <a:t>Atom</a:t>
+            </a:r>
+            <a:r>
+              <a:rPr lang="fr-FR" dirty="0"/>
+              <a:t> : </a:t>
+            </a:r>
+            <a:r>
+              <a:rPr lang="fr-FR" dirty="0">
+                <a:hlinkClick r:id="rId3"/>
+              </a:rPr>
+              <a:t>https://atom.io/ </a:t>
+            </a:r>
+            <a:r>
+              <a:rPr lang="fr-FR" dirty="0"/>
+              <a:t>++</a:t>
+            </a:r>
+          </a:p>
+        </p:txBody>
+      </p:sp>
+      <p:sp>
+        <p:nvSpPr>
+          <p:cNvPr id="6" name="ZoneTexte 5">
+            <a:extLst>
+              <a:ext uri="{FF2B5EF4-FFF2-40B4-BE49-F238E27FC236}">
+                <a16:creationId xmlns:a16="http://schemas.microsoft.com/office/drawing/2014/main" id="{A3DFB8DB-3BA1-774C-A44D-D498C18AF5EF}"/>
+              </a:ext>
+            </a:extLst>
+          </p:cNvPr>
+          <p:cNvSpPr txBox="1"/>
+          <p:nvPr/>
+        </p:nvSpPr>
+        <p:spPr>
+          <a:xfrm>
+            <a:off x="463638" y="2420777"/>
+            <a:ext cx="11075832" cy="1061829"/>
+          </a:xfrm>
+          <a:prstGeom prst="rect">
+            <a:avLst/>
+          </a:prstGeom>
+          <a:noFill/>
+        </p:spPr>
+        <p:txBody>
+          <a:bodyPr wrap="square" rtlCol="0">
+            <a:spAutoFit/>
+          </a:bodyPr>
+          <a:lstStyle/>
+          <a:p>
+            <a:r>
+              <a:rPr lang="fr-FR" b="1" dirty="0"/>
+              <a:t>Syntaxe</a:t>
+            </a:r>
+          </a:p>
+          <a:p>
+            <a:endParaRPr lang="fr-FR" sz="900" b="1" dirty="0"/>
+          </a:p>
+          <a:p>
+            <a:r>
+              <a:rPr lang="fr-FR" dirty="0" err="1"/>
+              <a:t>Prettier</a:t>
+            </a:r>
+            <a:r>
+              <a:rPr lang="fr-FR" dirty="0"/>
+              <a:t> : </a:t>
+            </a:r>
+            <a:r>
+              <a:rPr lang="fr-FR" dirty="0">
+                <a:hlinkClick r:id="rId4"/>
+              </a:rPr>
+              <a:t>https://github.com/prettier</a:t>
+            </a:r>
+            <a:r>
+              <a:rPr lang="fr-FR" dirty="0"/>
+              <a:t> ++++++</a:t>
+            </a:r>
+          </a:p>
+          <a:p>
+            <a:r>
+              <a:rPr lang="fr-FR" dirty="0"/>
+              <a:t>PEP8 : </a:t>
+            </a:r>
+            <a:r>
+              <a:rPr lang="fr-FR" dirty="0">
+                <a:hlinkClick r:id="rId5"/>
+              </a:rPr>
+              <a:t>https://www.python.org/dev/peps/pep-0008/</a:t>
+            </a:r>
+            <a:r>
+              <a:rPr lang="fr-FR" dirty="0"/>
+              <a:t> +</a:t>
+            </a:r>
+          </a:p>
+        </p:txBody>
+      </p:sp>
+      <p:sp>
+        <p:nvSpPr>
+          <p:cNvPr id="8" name="ZoneTexte 7">
+            <a:extLst>
+              <a:ext uri="{FF2B5EF4-FFF2-40B4-BE49-F238E27FC236}">
+                <a16:creationId xmlns:a16="http://schemas.microsoft.com/office/drawing/2014/main" id="{04BE25FF-81ED-CB49-91A6-5829979D83F9}"/>
+              </a:ext>
+            </a:extLst>
+          </p:cNvPr>
+          <p:cNvSpPr txBox="1"/>
+          <p:nvPr/>
+        </p:nvSpPr>
+        <p:spPr>
+          <a:xfrm>
+            <a:off x="463638" y="3624245"/>
+            <a:ext cx="11075832" cy="784830"/>
+          </a:xfrm>
+          <a:prstGeom prst="rect">
+            <a:avLst/>
+          </a:prstGeom>
+          <a:noFill/>
+        </p:spPr>
+        <p:txBody>
+          <a:bodyPr wrap="square" rtlCol="0">
+            <a:spAutoFit/>
+          </a:bodyPr>
+          <a:lstStyle/>
+          <a:p>
+            <a:r>
+              <a:rPr lang="fr-FR" b="1" dirty="0"/>
+              <a:t>Design</a:t>
+            </a:r>
+          </a:p>
+          <a:p>
+            <a:endParaRPr lang="fr-FR" sz="900" b="1" dirty="0"/>
+          </a:p>
+          <a:p>
+            <a:r>
+              <a:rPr lang="fr-FR" dirty="0"/>
+              <a:t>Sketch (MAC </a:t>
+            </a:r>
+            <a:r>
+              <a:rPr lang="fr-FR" dirty="0" err="1"/>
+              <a:t>only</a:t>
+            </a:r>
+            <a:r>
+              <a:rPr lang="fr-FR" dirty="0"/>
+              <a:t>, Windows équivalent ?) : </a:t>
+            </a:r>
+            <a:r>
+              <a:rPr lang="fr-FR" dirty="0">
+                <a:hlinkClick r:id="rId6"/>
+              </a:rPr>
+              <a:t>https://www.sketch.com/</a:t>
+            </a:r>
+            <a:r>
+              <a:rPr lang="fr-FR" dirty="0"/>
+              <a:t> +++ (EN/FR)</a:t>
+            </a:r>
+          </a:p>
+        </p:txBody>
+      </p:sp>
+      <p:sp>
+        <p:nvSpPr>
+          <p:cNvPr id="7" name="ZoneTexte 6">
+            <a:extLst>
+              <a:ext uri="{FF2B5EF4-FFF2-40B4-BE49-F238E27FC236}">
+                <a16:creationId xmlns:a16="http://schemas.microsoft.com/office/drawing/2014/main" id="{216EA1DA-20F2-F048-A239-7843F830F563}"/>
+              </a:ext>
+            </a:extLst>
+          </p:cNvPr>
+          <p:cNvSpPr txBox="1"/>
+          <p:nvPr/>
+        </p:nvSpPr>
+        <p:spPr>
+          <a:xfrm>
+            <a:off x="463638" y="429492"/>
+            <a:ext cx="2015295" cy="646331"/>
+          </a:xfrm>
+          <a:prstGeom prst="rect">
+            <a:avLst/>
+          </a:prstGeom>
+          <a:noFill/>
+        </p:spPr>
+        <p:txBody>
+          <a:bodyPr wrap="none" rtlCol="0">
+            <a:spAutoFit/>
+          </a:bodyPr>
+          <a:lstStyle/>
+          <a:p>
+            <a:r>
+              <a:rPr lang="fr-FR" sz="3600" dirty="0"/>
+              <a:t>Des outils</a:t>
+            </a:r>
+          </a:p>
+        </p:txBody>
+      </p:sp>
+      <p:sp>
+        <p:nvSpPr>
+          <p:cNvPr id="9" name="ZoneTexte 8">
+            <a:extLst>
+              <a:ext uri="{FF2B5EF4-FFF2-40B4-BE49-F238E27FC236}">
+                <a16:creationId xmlns:a16="http://schemas.microsoft.com/office/drawing/2014/main" id="{27F5E675-A76C-B64E-9466-F8E4AD02FFE1}"/>
+              </a:ext>
+            </a:extLst>
+          </p:cNvPr>
+          <p:cNvSpPr txBox="1"/>
+          <p:nvPr/>
+        </p:nvSpPr>
+        <p:spPr>
+          <a:xfrm>
+            <a:off x="463638" y="4546944"/>
+            <a:ext cx="11075832" cy="1061829"/>
+          </a:xfrm>
+          <a:prstGeom prst="rect">
+            <a:avLst/>
+          </a:prstGeom>
+          <a:noFill/>
+        </p:spPr>
+        <p:txBody>
+          <a:bodyPr wrap="square" rtlCol="0">
+            <a:spAutoFit/>
+          </a:bodyPr>
+          <a:lstStyle/>
+          <a:p>
+            <a:r>
+              <a:rPr lang="fr-FR" b="1" dirty="0"/>
+              <a:t>Collaboration</a:t>
+            </a:r>
+          </a:p>
+          <a:p>
+            <a:endParaRPr lang="fr-FR" sz="900" b="1" dirty="0"/>
+          </a:p>
+          <a:p>
+            <a:r>
+              <a:rPr lang="fr-FR" dirty="0"/>
+              <a:t>Git : </a:t>
+            </a:r>
+            <a:r>
+              <a:rPr lang="fr-FR" dirty="0" err="1"/>
+              <a:t>indispendable</a:t>
+            </a:r>
+            <a:endParaRPr lang="fr-FR" dirty="0"/>
+          </a:p>
+          <a:p>
+            <a:r>
+              <a:rPr lang="fr-FR" dirty="0" err="1"/>
+              <a:t>Github</a:t>
+            </a:r>
+            <a:r>
+              <a:rPr lang="fr-FR" dirty="0"/>
+              <a:t> : </a:t>
+            </a:r>
+            <a:r>
+              <a:rPr lang="fr-FR" dirty="0">
+                <a:hlinkClick r:id="rId7"/>
+              </a:rPr>
+              <a:t>https://github.com/borgia-app</a:t>
+            </a:r>
+            <a:r>
+              <a:rPr lang="fr-FR" dirty="0"/>
+              <a:t> indispensable</a:t>
+            </a:r>
+          </a:p>
+        </p:txBody>
+      </p:sp>
+    </p:spTree>
+    <p:extLst>
+      <p:ext uri="{BB962C8B-B14F-4D97-AF65-F5344CB8AC3E}">
+        <p14:creationId xmlns:p14="http://schemas.microsoft.com/office/powerpoint/2010/main" val="2873011950"/>
+      </p:ext>
+    </p:extLst>
+  </p:cSld>
+  <p:clrMapOvr>
+    <a:masterClrMapping/>
+  </p:clrMapOvr>
+</p:sld>
+</file>
+
+<file path=ppt/slides/slide6.xml><?xml version="1.0" encoding="utf-8"?>
+<p:sld xmlns:a="http://schemas.openxmlformats.org/drawingml/2006/main" xmlns:r="http://schemas.openxmlformats.org/officeDocument/2006/relationships" xmlns:p="http://schemas.openxmlformats.org/presentationml/2006/main">
+  <p:cSld>
+    <p:spTree>
+      <p:nvGrpSpPr>
+        <p:cNvPr id="1" name=""/>
+        <p:cNvGrpSpPr/>
+        <p:nvPr/>
+      </p:nvGrpSpPr>
+      <p:grpSpPr>
+        <a:xfrm>
+          <a:off x="0" y="0"/>
+          <a:ext cx="0" cy="0"/>
+          <a:chOff x="0" y="0"/>
+          <a:chExt cx="0" cy="0"/>
+        </a:xfrm>
+      </p:grpSpPr>
+      <p:sp>
+        <p:nvSpPr>
+          <p:cNvPr id="3" name="Sous-titre 2">
+            <a:extLst>
+              <a:ext uri="{FF2B5EF4-FFF2-40B4-BE49-F238E27FC236}">
+                <a16:creationId xmlns:a16="http://schemas.microsoft.com/office/drawing/2014/main" id="{883A3272-B62B-2845-88BD-E0EF53403DA9}"/>
+              </a:ext>
+            </a:extLst>
+          </p:cNvPr>
+          <p:cNvSpPr>
+            <a:spLocks noGrp="1"/>
+          </p:cNvSpPr>
+          <p:nvPr>
+            <p:ph type="subTitle" idx="1"/>
+          </p:nvPr>
+        </p:nvSpPr>
+        <p:spPr>
+          <a:xfrm>
+            <a:off x="6372113" y="129092"/>
+            <a:ext cx="5819887" cy="415663"/>
+          </a:xfrm>
+        </p:spPr>
+        <p:txBody>
+          <a:bodyPr>
+            <a:normAutofit lnSpcReduction="10000"/>
+          </a:bodyPr>
+          <a:lstStyle/>
+          <a:p>
+            <a:pPr algn="r"/>
+            <a:r>
+              <a:rPr lang="fr-FR" dirty="0">
+                <a:solidFill>
+                  <a:schemeClr val="tx1">
+                    <a:lumMod val="50000"/>
+                    <a:lumOff val="50000"/>
+                  </a:schemeClr>
+                </a:solidFill>
+              </a:rPr>
+              <a:t>Chapitre 0 – Guide de survie</a:t>
+            </a:r>
+          </a:p>
+        </p:txBody>
+      </p:sp>
+      <p:sp>
+        <p:nvSpPr>
           <p:cNvPr id="14" name="Rectangle 13">
             <a:extLst>
               <a:ext uri="{FF2B5EF4-FFF2-40B4-BE49-F238E27FC236}">
@@ -6617,748 +7437,6 @@
       <p:bldP spid="14" grpId="0"/>
     </p:bldLst>
   </p:timing>
-</p:sld>
-</file>
-
-<file path=ppt/slides/slide5.xml><?xml version="1.0" encoding="utf-8"?>
-<p:sld xmlns:a="http://schemas.openxmlformats.org/drawingml/2006/main" xmlns:r="http://schemas.openxmlformats.org/officeDocument/2006/relationships" xmlns:p="http://schemas.openxmlformats.org/presentationml/2006/main">
-  <p:cSld>
-    <p:spTree>
-      <p:nvGrpSpPr>
-        <p:cNvPr id="1" name=""/>
-        <p:cNvGrpSpPr/>
-        <p:nvPr/>
-      </p:nvGrpSpPr>
-      <p:grpSpPr>
-        <a:xfrm>
-          <a:off x="0" y="0"/>
-          <a:ext cx="0" cy="0"/>
-          <a:chOff x="0" y="0"/>
-          <a:chExt cx="0" cy="0"/>
-        </a:xfrm>
-      </p:grpSpPr>
-      <p:sp>
-        <p:nvSpPr>
-          <p:cNvPr id="3" name="Sous-titre 2">
-            <a:extLst>
-              <a:ext uri="{FF2B5EF4-FFF2-40B4-BE49-F238E27FC236}">
-                <a16:creationId xmlns:a16="http://schemas.microsoft.com/office/drawing/2014/main" id="{883A3272-B62B-2845-88BD-E0EF53403DA9}"/>
-              </a:ext>
-            </a:extLst>
-          </p:cNvPr>
-          <p:cNvSpPr>
-            <a:spLocks noGrp="1"/>
-          </p:cNvSpPr>
-          <p:nvPr>
-            <p:ph type="subTitle" idx="1"/>
-          </p:nvPr>
-        </p:nvSpPr>
-        <p:spPr>
-          <a:xfrm>
-            <a:off x="6372113" y="129092"/>
-            <a:ext cx="5819887" cy="415663"/>
-          </a:xfrm>
-        </p:spPr>
-        <p:txBody>
-          <a:bodyPr>
-            <a:normAutofit lnSpcReduction="10000"/>
-          </a:bodyPr>
-          <a:lstStyle/>
-          <a:p>
-            <a:pPr algn="r"/>
-            <a:r>
-              <a:rPr lang="fr-FR" dirty="0">
-                <a:solidFill>
-                  <a:schemeClr val="tx1">
-                    <a:lumMod val="50000"/>
-                    <a:lumOff val="50000"/>
-                  </a:schemeClr>
-                </a:solidFill>
-              </a:rPr>
-              <a:t>Chapitre 0 – Guide de survie</a:t>
-            </a:r>
-          </a:p>
-        </p:txBody>
-      </p:sp>
-      <p:sp>
-        <p:nvSpPr>
-          <p:cNvPr id="34" name="ZoneTexte 33">
-            <a:extLst>
-              <a:ext uri="{FF2B5EF4-FFF2-40B4-BE49-F238E27FC236}">
-                <a16:creationId xmlns:a16="http://schemas.microsoft.com/office/drawing/2014/main" id="{7AD387AA-C4F3-2C45-91C3-441CA333A8AF}"/>
-              </a:ext>
-            </a:extLst>
-          </p:cNvPr>
-          <p:cNvSpPr txBox="1"/>
-          <p:nvPr/>
-        </p:nvSpPr>
-        <p:spPr>
-          <a:xfrm>
-            <a:off x="304505" y="822896"/>
-            <a:ext cx="7069756" cy="646331"/>
-          </a:xfrm>
-          <a:prstGeom prst="rect">
-            <a:avLst/>
-          </a:prstGeom>
-          <a:noFill/>
-        </p:spPr>
-        <p:txBody>
-          <a:bodyPr wrap="none" rtlCol="0">
-            <a:spAutoFit/>
-          </a:bodyPr>
-          <a:lstStyle/>
-          <a:p>
-            <a:r>
-              <a:rPr lang="fr-FR" sz="3600" dirty="0"/>
-              <a:t>Des ressources, de la documentation</a:t>
-            </a:r>
-          </a:p>
-        </p:txBody>
-      </p:sp>
-      <p:sp>
-        <p:nvSpPr>
-          <p:cNvPr id="2" name="ZoneTexte 1">
-            <a:extLst>
-              <a:ext uri="{FF2B5EF4-FFF2-40B4-BE49-F238E27FC236}">
-                <a16:creationId xmlns:a16="http://schemas.microsoft.com/office/drawing/2014/main" id="{A0C5F577-1BE8-3541-B726-B38E1125D077}"/>
-              </a:ext>
-            </a:extLst>
-          </p:cNvPr>
-          <p:cNvSpPr txBox="1"/>
-          <p:nvPr/>
-        </p:nvSpPr>
-        <p:spPr>
-          <a:xfrm>
-            <a:off x="463638" y="1443841"/>
-            <a:ext cx="11075832" cy="3801041"/>
-          </a:xfrm>
-          <a:prstGeom prst="rect">
-            <a:avLst/>
-          </a:prstGeom>
-          <a:noFill/>
-        </p:spPr>
-        <p:txBody>
-          <a:bodyPr wrap="square" rtlCol="0">
-            <a:spAutoFit/>
-          </a:bodyPr>
-          <a:lstStyle/>
-          <a:p>
-            <a:r>
-              <a:rPr lang="fr-FR" sz="2000" b="1" dirty="0"/>
-              <a:t>Se documenter seul</a:t>
-            </a:r>
-          </a:p>
-          <a:p>
-            <a:endParaRPr lang="fr-FR" sz="900" b="1" dirty="0"/>
-          </a:p>
-          <a:p>
-            <a:r>
-              <a:rPr lang="fr-FR" b="1" dirty="0"/>
-              <a:t>Programmation</a:t>
-            </a:r>
-          </a:p>
-          <a:p>
-            <a:r>
-              <a:rPr lang="fr-FR" dirty="0"/>
-              <a:t>WEB (HTML, CSS, JS) : </a:t>
-            </a:r>
-            <a:r>
-              <a:rPr lang="fr-FR" dirty="0">
-                <a:hlinkClick r:id="rId2"/>
-              </a:rPr>
-              <a:t>https://developer.mozilla.org/fr/docs/Web</a:t>
-            </a:r>
-            <a:r>
-              <a:rPr lang="fr-FR" dirty="0"/>
-              <a:t> ++ (FR/EN)</a:t>
-            </a:r>
-          </a:p>
-          <a:p>
-            <a:r>
-              <a:rPr lang="fr-FR" dirty="0"/>
-              <a:t>Python : </a:t>
-            </a:r>
-            <a:r>
-              <a:rPr lang="fr-FR" dirty="0">
-                <a:hlinkClick r:id="rId3"/>
-              </a:rPr>
-              <a:t>https://www.python.org/doc/</a:t>
-            </a:r>
-            <a:r>
-              <a:rPr lang="fr-FR" dirty="0"/>
-              <a:t> + (EN)</a:t>
-            </a:r>
-          </a:p>
-          <a:p>
-            <a:r>
-              <a:rPr lang="fr-FR" dirty="0"/>
-              <a:t>Django : </a:t>
-            </a:r>
-            <a:r>
-              <a:rPr lang="fr-FR" dirty="0">
-                <a:hlinkClick r:id="rId4"/>
-              </a:rPr>
-              <a:t>https://docs.djangoproject.com/en/2.2/</a:t>
-            </a:r>
-            <a:r>
-              <a:rPr lang="fr-FR" dirty="0"/>
-              <a:t> ++++ (FR/EN)</a:t>
-            </a:r>
-          </a:p>
-          <a:p>
-            <a:r>
-              <a:rPr lang="fr-FR" dirty="0"/>
-              <a:t>Divers : </a:t>
-            </a:r>
-            <a:r>
-              <a:rPr lang="fr-FR" dirty="0">
-                <a:hlinkClick r:id="rId5"/>
-              </a:rPr>
-              <a:t>https://medium.com/</a:t>
-            </a:r>
-            <a:r>
-              <a:rPr lang="fr-FR" dirty="0"/>
-              <a:t> ++ (EN)</a:t>
-            </a:r>
-          </a:p>
-          <a:p>
-            <a:r>
-              <a:rPr lang="fr-FR" dirty="0"/>
-              <a:t>Git : </a:t>
-            </a:r>
-            <a:r>
-              <a:rPr lang="fr-FR" dirty="0">
-                <a:hlinkClick r:id="rId6"/>
-              </a:rPr>
-              <a:t>https://git-scm.com/docs</a:t>
-            </a:r>
-            <a:r>
-              <a:rPr lang="fr-FR" dirty="0"/>
-              <a:t> + (EN)</a:t>
-            </a:r>
-          </a:p>
-          <a:p>
-            <a:r>
-              <a:rPr lang="fr-FR" dirty="0" err="1"/>
-              <a:t>Two</a:t>
-            </a:r>
-            <a:r>
-              <a:rPr lang="fr-FR" dirty="0"/>
-              <a:t> Scoops of Django : rechercher « </a:t>
-            </a:r>
-            <a:r>
-              <a:rPr lang="fr-FR" dirty="0" err="1"/>
-              <a:t>Two</a:t>
-            </a:r>
-            <a:r>
-              <a:rPr lang="fr-FR" dirty="0"/>
-              <a:t> Scoops of Django 1.8 </a:t>
-            </a:r>
-            <a:r>
-              <a:rPr lang="fr-FR" dirty="0" err="1"/>
-              <a:t>pdf</a:t>
-            </a:r>
-            <a:r>
-              <a:rPr lang="fr-FR" dirty="0"/>
-              <a:t> » sur Google … ++ (EN)</a:t>
-            </a:r>
-          </a:p>
-          <a:p>
-            <a:endParaRPr lang="fr-FR" sz="900" dirty="0"/>
-          </a:p>
-          <a:p>
-            <a:r>
-              <a:rPr lang="fr-FR" b="1" dirty="0"/>
-              <a:t>Design</a:t>
-            </a:r>
-          </a:p>
-          <a:p>
-            <a:r>
-              <a:rPr lang="fr-FR" dirty="0" err="1"/>
-              <a:t>Refactoring</a:t>
-            </a:r>
-            <a:r>
-              <a:rPr lang="fr-FR" dirty="0"/>
-              <a:t> UI : </a:t>
-            </a:r>
-            <a:r>
-              <a:rPr lang="fr-FR" dirty="0">
-                <a:hlinkClick r:id="rId7"/>
-              </a:rPr>
-              <a:t>https://refactoringui.com/</a:t>
-            </a:r>
-            <a:r>
-              <a:rPr lang="fr-FR" dirty="0"/>
-              <a:t> ++++ (EN), me demander pour </a:t>
-            </a:r>
-            <a:r>
-              <a:rPr lang="fr-FR" dirty="0" err="1"/>
-              <a:t>pdf</a:t>
-            </a:r>
-            <a:r>
-              <a:rPr lang="fr-FR" dirty="0"/>
-              <a:t> </a:t>
-            </a:r>
-            <a:r>
-              <a:rPr lang="fr-FR" dirty="0">
-                <a:sym typeface="Wingdings" pitchFamily="2" charset="2"/>
-              </a:rPr>
-              <a:t></a:t>
-            </a:r>
-            <a:endParaRPr lang="fr-FR" dirty="0"/>
-          </a:p>
-          <a:p>
-            <a:r>
-              <a:rPr lang="fr-FR" dirty="0"/>
-              <a:t>Google </a:t>
-            </a:r>
-            <a:r>
-              <a:rPr lang="fr-FR" dirty="0" err="1"/>
-              <a:t>Material</a:t>
-            </a:r>
-            <a:r>
-              <a:rPr lang="fr-FR" dirty="0"/>
-              <a:t> Design (guidelines) : </a:t>
-            </a:r>
-            <a:r>
-              <a:rPr lang="fr-FR" dirty="0">
-                <a:hlinkClick r:id="rId8"/>
-              </a:rPr>
-              <a:t>https://material.io/</a:t>
-            </a:r>
-            <a:r>
-              <a:rPr lang="fr-FR" dirty="0"/>
-              <a:t> +++ (EN)</a:t>
-            </a:r>
-          </a:p>
-          <a:p>
-            <a:endParaRPr lang="fr-FR" dirty="0"/>
-          </a:p>
-        </p:txBody>
-      </p:sp>
-      <p:sp>
-        <p:nvSpPr>
-          <p:cNvPr id="35" name="ZoneTexte 34">
-            <a:extLst>
-              <a:ext uri="{FF2B5EF4-FFF2-40B4-BE49-F238E27FC236}">
-                <a16:creationId xmlns:a16="http://schemas.microsoft.com/office/drawing/2014/main" id="{417B9B97-124E-B04B-B7FD-E722CCB98C8D}"/>
-              </a:ext>
-            </a:extLst>
-          </p:cNvPr>
-          <p:cNvSpPr txBox="1"/>
-          <p:nvPr/>
-        </p:nvSpPr>
-        <p:spPr>
-          <a:xfrm>
-            <a:off x="463638" y="5111774"/>
-            <a:ext cx="11075832" cy="1508105"/>
-          </a:xfrm>
-          <a:prstGeom prst="rect">
-            <a:avLst/>
-          </a:prstGeom>
-          <a:noFill/>
-        </p:spPr>
-        <p:txBody>
-          <a:bodyPr wrap="square" rtlCol="0">
-            <a:spAutoFit/>
-          </a:bodyPr>
-          <a:lstStyle/>
-          <a:p>
-            <a:r>
-              <a:rPr lang="fr-FR" sz="2000" b="1" dirty="0"/>
-              <a:t>Répondre à un problème</a:t>
-            </a:r>
-          </a:p>
-          <a:p>
-            <a:endParaRPr lang="fr-FR" b="1" dirty="0"/>
-          </a:p>
-          <a:p>
-            <a:r>
-              <a:rPr lang="fr-FR" dirty="0"/>
-              <a:t>Google (recherche en anglais) : </a:t>
-            </a:r>
-            <a:r>
-              <a:rPr lang="fr-FR" dirty="0">
-                <a:hlinkClick r:id="rId9"/>
-              </a:rPr>
-              <a:t>https://www.google.fr/</a:t>
-            </a:r>
-            <a:r>
-              <a:rPr lang="fr-FR" dirty="0"/>
-              <a:t> +++ (EN)</a:t>
-            </a:r>
-          </a:p>
-          <a:p>
-            <a:r>
-              <a:rPr lang="fr-FR" dirty="0" err="1"/>
-              <a:t>Stack</a:t>
-            </a:r>
-            <a:r>
-              <a:rPr lang="fr-FR" dirty="0"/>
-              <a:t> </a:t>
-            </a:r>
-            <a:r>
-              <a:rPr lang="fr-FR" dirty="0" err="1"/>
-              <a:t>Overflow</a:t>
-            </a:r>
-            <a:r>
-              <a:rPr lang="fr-FR" dirty="0"/>
-              <a:t> : </a:t>
-            </a:r>
-            <a:r>
-              <a:rPr lang="fr-FR" dirty="0">
-                <a:hlinkClick r:id="rId10"/>
-              </a:rPr>
-              <a:t>https://stackoverflow.com/</a:t>
-            </a:r>
-            <a:r>
-              <a:rPr lang="fr-FR" dirty="0"/>
-              <a:t> +++ (EN)</a:t>
-            </a:r>
-          </a:p>
-          <a:p>
-            <a:r>
-              <a:rPr lang="fr-FR" b="1" dirty="0"/>
-              <a:t>Nous </a:t>
-            </a:r>
-            <a:r>
-              <a:rPr lang="fr-FR" b="1" dirty="0">
-                <a:sym typeface="Wingdings" pitchFamily="2" charset="2"/>
-              </a:rPr>
-              <a:t> +++++++++++</a:t>
-            </a:r>
-            <a:endParaRPr lang="fr-FR" b="1" dirty="0"/>
-          </a:p>
-        </p:txBody>
-      </p:sp>
-    </p:spTree>
-    <p:extLst>
-      <p:ext uri="{BB962C8B-B14F-4D97-AF65-F5344CB8AC3E}">
-        <p14:creationId xmlns:p14="http://schemas.microsoft.com/office/powerpoint/2010/main" val="679252005"/>
-      </p:ext>
-    </p:extLst>
-  </p:cSld>
-  <p:clrMapOvr>
-    <a:masterClrMapping/>
-  </p:clrMapOvr>
-</p:sld>
-</file>
-
-<file path=ppt/slides/slide6.xml><?xml version="1.0" encoding="utf-8"?>
-<p:sld xmlns:a="http://schemas.openxmlformats.org/drawingml/2006/main" xmlns:r="http://schemas.openxmlformats.org/officeDocument/2006/relationships" xmlns:p="http://schemas.openxmlformats.org/presentationml/2006/main">
-  <p:cSld>
-    <p:spTree>
-      <p:nvGrpSpPr>
-        <p:cNvPr id="1" name=""/>
-        <p:cNvGrpSpPr/>
-        <p:nvPr/>
-      </p:nvGrpSpPr>
-      <p:grpSpPr>
-        <a:xfrm>
-          <a:off x="0" y="0"/>
-          <a:ext cx="0" cy="0"/>
-          <a:chOff x="0" y="0"/>
-          <a:chExt cx="0" cy="0"/>
-        </a:xfrm>
-      </p:grpSpPr>
-      <p:sp>
-        <p:nvSpPr>
-          <p:cNvPr id="3" name="Sous-titre 2">
-            <a:extLst>
-              <a:ext uri="{FF2B5EF4-FFF2-40B4-BE49-F238E27FC236}">
-                <a16:creationId xmlns:a16="http://schemas.microsoft.com/office/drawing/2014/main" id="{883A3272-B62B-2845-88BD-E0EF53403DA9}"/>
-              </a:ext>
-            </a:extLst>
-          </p:cNvPr>
-          <p:cNvSpPr>
-            <a:spLocks noGrp="1"/>
-          </p:cNvSpPr>
-          <p:nvPr>
-            <p:ph type="subTitle" idx="1"/>
-          </p:nvPr>
-        </p:nvSpPr>
-        <p:spPr>
-          <a:xfrm>
-            <a:off x="6372113" y="129092"/>
-            <a:ext cx="5819887" cy="415663"/>
-          </a:xfrm>
-        </p:spPr>
-        <p:txBody>
-          <a:bodyPr>
-            <a:normAutofit lnSpcReduction="10000"/>
-          </a:bodyPr>
-          <a:lstStyle/>
-          <a:p>
-            <a:pPr algn="r"/>
-            <a:r>
-              <a:rPr lang="fr-FR" dirty="0">
-                <a:solidFill>
-                  <a:schemeClr val="tx1">
-                    <a:lumMod val="50000"/>
-                    <a:lumOff val="50000"/>
-                  </a:schemeClr>
-                </a:solidFill>
-              </a:rPr>
-              <a:t>Chapitre 0 – Guide de survie</a:t>
-            </a:r>
-          </a:p>
-        </p:txBody>
-      </p:sp>
-      <p:sp>
-        <p:nvSpPr>
-          <p:cNvPr id="34" name="ZoneTexte 33">
-            <a:extLst>
-              <a:ext uri="{FF2B5EF4-FFF2-40B4-BE49-F238E27FC236}">
-                <a16:creationId xmlns:a16="http://schemas.microsoft.com/office/drawing/2014/main" id="{7AD387AA-C4F3-2C45-91C3-441CA333A8AF}"/>
-              </a:ext>
-            </a:extLst>
-          </p:cNvPr>
-          <p:cNvSpPr txBox="1"/>
-          <p:nvPr/>
-        </p:nvSpPr>
-        <p:spPr>
-          <a:xfrm>
-            <a:off x="304505" y="822896"/>
-            <a:ext cx="2015295" cy="646331"/>
-          </a:xfrm>
-          <a:prstGeom prst="rect">
-            <a:avLst/>
-          </a:prstGeom>
-          <a:noFill/>
-        </p:spPr>
-        <p:txBody>
-          <a:bodyPr wrap="none" rtlCol="0">
-            <a:spAutoFit/>
-          </a:bodyPr>
-          <a:lstStyle/>
-          <a:p>
-            <a:r>
-              <a:rPr lang="fr-FR" sz="3600" dirty="0"/>
-              <a:t>Des outils</a:t>
-            </a:r>
-          </a:p>
-        </p:txBody>
-      </p:sp>
-      <p:sp>
-        <p:nvSpPr>
-          <p:cNvPr id="2" name="ZoneTexte 1">
-            <a:extLst>
-              <a:ext uri="{FF2B5EF4-FFF2-40B4-BE49-F238E27FC236}">
-                <a16:creationId xmlns:a16="http://schemas.microsoft.com/office/drawing/2014/main" id="{A0C5F577-1BE8-3541-B726-B38E1125D077}"/>
-              </a:ext>
-            </a:extLst>
-          </p:cNvPr>
-          <p:cNvSpPr txBox="1"/>
-          <p:nvPr/>
-        </p:nvSpPr>
-        <p:spPr>
-          <a:xfrm>
-            <a:off x="463638" y="1918952"/>
-            <a:ext cx="11075832" cy="1200329"/>
-          </a:xfrm>
-          <a:prstGeom prst="rect">
-            <a:avLst/>
-          </a:prstGeom>
-          <a:noFill/>
-        </p:spPr>
-        <p:txBody>
-          <a:bodyPr wrap="square" rtlCol="0">
-            <a:spAutoFit/>
-          </a:bodyPr>
-          <a:lstStyle/>
-          <a:p>
-            <a:r>
-              <a:rPr lang="fr-FR" b="1" dirty="0"/>
-              <a:t>Programmation</a:t>
-            </a:r>
-          </a:p>
-          <a:p>
-            <a:endParaRPr lang="fr-FR" b="1" dirty="0"/>
-          </a:p>
-          <a:p>
-            <a:r>
-              <a:rPr lang="fr-FR" dirty="0"/>
-              <a:t>Visual Studio Code :</a:t>
-            </a:r>
-            <a:r>
-              <a:rPr lang="fr-FR" dirty="0">
-                <a:hlinkClick r:id="rId2"/>
-              </a:rPr>
-              <a:t>https://code.visualstudio.com/</a:t>
-            </a:r>
-            <a:r>
-              <a:rPr lang="fr-FR" dirty="0"/>
-              <a:t> +++++</a:t>
-            </a:r>
-          </a:p>
-          <a:p>
-            <a:r>
-              <a:rPr lang="fr-FR" dirty="0" err="1"/>
-              <a:t>Atom</a:t>
-            </a:r>
-            <a:r>
-              <a:rPr lang="fr-FR" dirty="0"/>
-              <a:t> : </a:t>
-            </a:r>
-            <a:r>
-              <a:rPr lang="fr-FR" dirty="0">
-                <a:hlinkClick r:id="rId3"/>
-              </a:rPr>
-              <a:t>https://atom.io/ </a:t>
-            </a:r>
-            <a:r>
-              <a:rPr lang="fr-FR" dirty="0"/>
-              <a:t>++</a:t>
-            </a:r>
-          </a:p>
-        </p:txBody>
-      </p:sp>
-      <p:sp>
-        <p:nvSpPr>
-          <p:cNvPr id="6" name="ZoneTexte 5">
-            <a:extLst>
-              <a:ext uri="{FF2B5EF4-FFF2-40B4-BE49-F238E27FC236}">
-                <a16:creationId xmlns:a16="http://schemas.microsoft.com/office/drawing/2014/main" id="{A3DFB8DB-3BA1-774C-A44D-D498C18AF5EF}"/>
-              </a:ext>
-            </a:extLst>
-          </p:cNvPr>
-          <p:cNvSpPr txBox="1"/>
-          <p:nvPr/>
-        </p:nvSpPr>
-        <p:spPr>
-          <a:xfrm>
-            <a:off x="463638" y="3429000"/>
-            <a:ext cx="11075832" cy="1200329"/>
-          </a:xfrm>
-          <a:prstGeom prst="rect">
-            <a:avLst/>
-          </a:prstGeom>
-          <a:noFill/>
-        </p:spPr>
-        <p:txBody>
-          <a:bodyPr wrap="square" rtlCol="0">
-            <a:spAutoFit/>
-          </a:bodyPr>
-          <a:lstStyle/>
-          <a:p>
-            <a:r>
-              <a:rPr lang="fr-FR" b="1" dirty="0"/>
-              <a:t>Syntaxe</a:t>
-            </a:r>
-          </a:p>
-          <a:p>
-            <a:endParaRPr lang="fr-FR" b="1" dirty="0"/>
-          </a:p>
-          <a:p>
-            <a:r>
-              <a:rPr lang="fr-FR" dirty="0" err="1"/>
-              <a:t>Prettier</a:t>
-            </a:r>
-            <a:r>
-              <a:rPr lang="fr-FR" dirty="0"/>
-              <a:t> : </a:t>
-            </a:r>
-            <a:r>
-              <a:rPr lang="fr-FR" dirty="0">
-                <a:hlinkClick r:id="rId4"/>
-              </a:rPr>
-              <a:t>https://github.com/prettier</a:t>
-            </a:r>
-            <a:r>
-              <a:rPr lang="fr-FR" dirty="0"/>
-              <a:t> ++++++</a:t>
-            </a:r>
-          </a:p>
-          <a:p>
-            <a:r>
-              <a:rPr lang="fr-FR" dirty="0"/>
-              <a:t>PEP8 : </a:t>
-            </a:r>
-            <a:r>
-              <a:rPr lang="fr-FR" dirty="0">
-                <a:hlinkClick r:id="rId5"/>
-              </a:rPr>
-              <a:t>https://www.python.org/dev/peps/pep-0008/</a:t>
-            </a:r>
-            <a:r>
-              <a:rPr lang="fr-FR" dirty="0"/>
-              <a:t> +</a:t>
-            </a:r>
-          </a:p>
-        </p:txBody>
-      </p:sp>
-      <p:sp>
-        <p:nvSpPr>
-          <p:cNvPr id="8" name="ZoneTexte 7">
-            <a:extLst>
-              <a:ext uri="{FF2B5EF4-FFF2-40B4-BE49-F238E27FC236}">
-                <a16:creationId xmlns:a16="http://schemas.microsoft.com/office/drawing/2014/main" id="{04BE25FF-81ED-CB49-91A6-5829979D83F9}"/>
-              </a:ext>
-            </a:extLst>
-          </p:cNvPr>
-          <p:cNvSpPr txBox="1"/>
-          <p:nvPr/>
-        </p:nvSpPr>
-        <p:spPr>
-          <a:xfrm>
-            <a:off x="463638" y="5075350"/>
-            <a:ext cx="11075832" cy="923330"/>
-          </a:xfrm>
-          <a:prstGeom prst="rect">
-            <a:avLst/>
-          </a:prstGeom>
-          <a:noFill/>
-        </p:spPr>
-        <p:txBody>
-          <a:bodyPr wrap="square" rtlCol="0">
-            <a:spAutoFit/>
-          </a:bodyPr>
-          <a:lstStyle/>
-          <a:p>
-            <a:r>
-              <a:rPr lang="fr-FR" b="1" dirty="0"/>
-              <a:t>Design</a:t>
-            </a:r>
-          </a:p>
-          <a:p>
-            <a:endParaRPr lang="fr-FR" b="1" dirty="0"/>
-          </a:p>
-          <a:p>
-            <a:r>
-              <a:rPr lang="fr-FR" dirty="0"/>
-              <a:t>Sketch (MAC </a:t>
-            </a:r>
-            <a:r>
-              <a:rPr lang="fr-FR" dirty="0" err="1"/>
-              <a:t>only</a:t>
-            </a:r>
-            <a:r>
-              <a:rPr lang="fr-FR" dirty="0"/>
-              <a:t>, Windows équivalent ?) : </a:t>
-            </a:r>
-            <a:r>
-              <a:rPr lang="fr-FR" dirty="0">
-                <a:hlinkClick r:id="rId6"/>
-              </a:rPr>
-              <a:t>https://www.sketch.com/</a:t>
-            </a:r>
-            <a:r>
-              <a:rPr lang="fr-FR" dirty="0"/>
-              <a:t> +++ (EN/FR)</a:t>
-            </a:r>
-          </a:p>
-        </p:txBody>
-      </p:sp>
-    </p:spTree>
-    <p:extLst>
-      <p:ext uri="{BB962C8B-B14F-4D97-AF65-F5344CB8AC3E}">
-        <p14:creationId xmlns:p14="http://schemas.microsoft.com/office/powerpoint/2010/main" val="2873011950"/>
-      </p:ext>
-    </p:extLst>
-  </p:cSld>
-  <p:clrMapOvr>
-    <a:masterClrMapping/>
-  </p:clrMapOvr>
 </p:sld>
 </file>
 

--- a/presentations/Chap 0 - Guide de survie.pptx
+++ b/presentations/Chap 0 - Guide de survie.pptx
@@ -5828,7 +5828,7 @@
         <p:spPr>
           <a:xfrm>
             <a:off x="463638" y="3624245"/>
-            <a:ext cx="11075832" cy="784830"/>
+            <a:ext cx="11075832" cy="1061829"/>
           </a:xfrm>
           <a:prstGeom prst="rect">
             <a:avLst/>
@@ -5873,6 +5873,12 @@
               <a:t> +++ (EN/FR)</a:t>
             </a:r>
           </a:p>
+          <a:p>
+            <a:r>
+              <a:rPr lang="fr-FR" dirty="0"/>
+              <a:t>Inspecteur web (Google Chrome ou Firefox ou …), plutôt pour débugger : dans le navigateur +++</a:t>
+            </a:r>
+          </a:p>
         </p:txBody>
       </p:sp>
       <p:sp>
@@ -5924,7 +5930,7 @@
         </p:nvSpPr>
         <p:spPr>
           <a:xfrm>
-            <a:off x="463638" y="4546944"/>
+            <a:off x="463638" y="4827713"/>
             <a:ext cx="11075832" cy="1061829"/>
           </a:xfrm>
           <a:prstGeom prst="rect">

--- a/presentations/Chap 0 - Guide de survie.pptx
+++ b/presentations/Chap 0 - Guide de survie.pptx
@@ -264,7 +264,7 @@
           <a:p>
             <a:fld id="{DBF8C3D7-48C3-C740-B187-2045F13E64C1}" type="datetimeFigureOut">
               <a:rPr lang="fr-FR" smtClean="0"/>
-              <a:t>06/07/2019</a:t>
+              <a:t>08/07/2019</a:t>
             </a:fld>
             <a:endParaRPr lang="fr-FR"/>
           </a:p>
@@ -462,7 +462,7 @@
           <a:p>
             <a:fld id="{DBF8C3D7-48C3-C740-B187-2045F13E64C1}" type="datetimeFigureOut">
               <a:rPr lang="fr-FR" smtClean="0"/>
-              <a:t>06/07/2019</a:t>
+              <a:t>08/07/2019</a:t>
             </a:fld>
             <a:endParaRPr lang="fr-FR"/>
           </a:p>
@@ -670,7 +670,7 @@
           <a:p>
             <a:fld id="{DBF8C3D7-48C3-C740-B187-2045F13E64C1}" type="datetimeFigureOut">
               <a:rPr lang="fr-FR" smtClean="0"/>
-              <a:t>06/07/2019</a:t>
+              <a:t>08/07/2019</a:t>
             </a:fld>
             <a:endParaRPr lang="fr-FR"/>
           </a:p>
@@ -868,7 +868,7 @@
           <a:p>
             <a:fld id="{DBF8C3D7-48C3-C740-B187-2045F13E64C1}" type="datetimeFigureOut">
               <a:rPr lang="fr-FR" smtClean="0"/>
-              <a:t>06/07/2019</a:t>
+              <a:t>08/07/2019</a:t>
             </a:fld>
             <a:endParaRPr lang="fr-FR"/>
           </a:p>
@@ -1143,7 +1143,7 @@
           <a:p>
             <a:fld id="{DBF8C3D7-48C3-C740-B187-2045F13E64C1}" type="datetimeFigureOut">
               <a:rPr lang="fr-FR" smtClean="0"/>
-              <a:t>06/07/2019</a:t>
+              <a:t>08/07/2019</a:t>
             </a:fld>
             <a:endParaRPr lang="fr-FR"/>
           </a:p>
@@ -1408,7 +1408,7 @@
           <a:p>
             <a:fld id="{DBF8C3D7-48C3-C740-B187-2045F13E64C1}" type="datetimeFigureOut">
               <a:rPr lang="fr-FR" smtClean="0"/>
-              <a:t>06/07/2019</a:t>
+              <a:t>08/07/2019</a:t>
             </a:fld>
             <a:endParaRPr lang="fr-FR"/>
           </a:p>
@@ -1820,7 +1820,7 @@
           <a:p>
             <a:fld id="{DBF8C3D7-48C3-C740-B187-2045F13E64C1}" type="datetimeFigureOut">
               <a:rPr lang="fr-FR" smtClean="0"/>
-              <a:t>06/07/2019</a:t>
+              <a:t>08/07/2019</a:t>
             </a:fld>
             <a:endParaRPr lang="fr-FR"/>
           </a:p>
@@ -1961,7 +1961,7 @@
           <a:p>
             <a:fld id="{DBF8C3D7-48C3-C740-B187-2045F13E64C1}" type="datetimeFigureOut">
               <a:rPr lang="fr-FR" smtClean="0"/>
-              <a:t>06/07/2019</a:t>
+              <a:t>08/07/2019</a:t>
             </a:fld>
             <a:endParaRPr lang="fr-FR"/>
           </a:p>
@@ -2074,7 +2074,7 @@
           <a:p>
             <a:fld id="{DBF8C3D7-48C3-C740-B187-2045F13E64C1}" type="datetimeFigureOut">
               <a:rPr lang="fr-FR" smtClean="0"/>
-              <a:t>06/07/2019</a:t>
+              <a:t>08/07/2019</a:t>
             </a:fld>
             <a:endParaRPr lang="fr-FR"/>
           </a:p>
@@ -2385,7 +2385,7 @@
           <a:p>
             <a:fld id="{DBF8C3D7-48C3-C740-B187-2045F13E64C1}" type="datetimeFigureOut">
               <a:rPr lang="fr-FR" smtClean="0"/>
-              <a:t>06/07/2019</a:t>
+              <a:t>08/07/2019</a:t>
             </a:fld>
             <a:endParaRPr lang="fr-FR"/>
           </a:p>
@@ -2673,7 +2673,7 @@
           <a:p>
             <a:fld id="{DBF8C3D7-48C3-C740-B187-2045F13E64C1}" type="datetimeFigureOut">
               <a:rPr lang="fr-FR" smtClean="0"/>
-              <a:t>06/07/2019</a:t>
+              <a:t>08/07/2019</a:t>
             </a:fld>
             <a:endParaRPr lang="fr-FR"/>
           </a:p>
@@ -2914,7 +2914,7 @@
           <a:p>
             <a:fld id="{DBF8C3D7-48C3-C740-B187-2045F13E64C1}" type="datetimeFigureOut">
               <a:rPr lang="fr-FR" smtClean="0"/>
-              <a:t>06/07/2019</a:t>
+              <a:t>08/07/2019</a:t>
             </a:fld>
             <a:endParaRPr lang="fr-FR"/>
           </a:p>
@@ -5282,7 +5282,7 @@
         <p:spPr>
           <a:xfrm>
             <a:off x="463638" y="1156845"/>
-            <a:ext cx="11075832" cy="3724096"/>
+            <a:ext cx="11075832" cy="3447098"/>
           </a:xfrm>
           <a:prstGeom prst="rect">
             <a:avLst/>
@@ -5483,9 +5483,6 @@
               <a:t> +++ (EN)</a:t>
             </a:r>
           </a:p>
-          <a:p>
-            <a:endParaRPr lang="fr-FR" dirty="0"/>
-          </a:p>
         </p:txBody>
       </p:sp>
       <p:sp>
@@ -5502,8 +5499,8 @@
         </p:nvSpPr>
         <p:spPr>
           <a:xfrm>
-            <a:off x="463638" y="4961963"/>
-            <a:ext cx="11075832" cy="1646605"/>
+            <a:off x="463638" y="4781903"/>
+            <a:ext cx="11075832" cy="1923604"/>
           </a:xfrm>
           <a:prstGeom prst="rect">
             <a:avLst/>
@@ -5575,6 +5572,22 @@
             <a:r>
               <a:rPr lang="fr-FR" dirty="0"/>
               <a:t> +++ (EN)</a:t>
+            </a:r>
+          </a:p>
+          <a:p>
+            <a:r>
+              <a:rPr lang="fr-FR" dirty="0"/>
+              <a:t>Source Django : </a:t>
+            </a:r>
+            <a:r>
+              <a:rPr lang="fr-FR" dirty="0">
+                <a:hlinkClick r:id="rId12"/>
+              </a:rPr>
+              <a:t>https://github.com/django/django</a:t>
+            </a:r>
+            <a:r>
+              <a:rPr lang="fr-FR" dirty="0"/>
+              <a:t> ++ (EN)</a:t>
             </a:r>
           </a:p>
           <a:p>
@@ -5704,7 +5717,7 @@
           <a:p>
             <a:r>
               <a:rPr lang="fr-FR" dirty="0"/>
-              <a:t>Visual Studio Code :</a:t>
+              <a:t>Visual Studio Code : </a:t>
             </a:r>
             <a:r>
               <a:rPr lang="fr-FR" dirty="0">
